--- a/PHP Project.pptx
+++ b/PHP Project.pptx
@@ -1,6 +1,6 @@
 
 <file path=ppt/presentation.xml><?xml version="1.0" encoding="utf-8"?>
-<p:presentation xmlns:a="http://schemas.openxmlformats.org/drawingml/2006/main" xmlns:r="http://schemas.openxmlformats.org/officeDocument/2006/relationships" xmlns:p="http://schemas.openxmlformats.org/presentationml/2006/main" autoCompressPictures="0">
+<p:presentation xmlns:a="http://schemas.openxmlformats.org/drawingml/2006/main" xmlns:r="http://schemas.openxmlformats.org/officeDocument/2006/relationships" xmlns:p="http://schemas.openxmlformats.org/presentationml/2006/main" saveSubsetFonts="1" autoCompressPictures="0">
   <p:sldMasterIdLst>
     <p:sldMasterId id="2147483648" r:id="rId1"/>
   </p:sldMasterIdLst>
@@ -10,6 +10,7 @@
     <p:sldId id="258" r:id="rId4"/>
     <p:sldId id="259" r:id="rId5"/>
     <p:sldId id="260" r:id="rId6"/>
+    <p:sldId id="261" r:id="rId7"/>
   </p:sldIdLst>
   <p:sldSz cx="12192000" cy="6858000"/>
   <p:notesSz cx="6858000" cy="9144000"/>
@@ -108,6 +109,11 @@
       </a:defRPr>
     </a:lvl9pPr>
   </p:defaultTextStyle>
+  <p:extLst>
+    <p:ext uri="{EFAFB233-063F-42B5-8137-9DF3F51BA10A}">
+      <p15:sldGuideLst xmlns:p15="http://schemas.microsoft.com/office/powerpoint/2012/main"/>
+    </p:ext>
+  </p:extLst>
 </p:presentation>
 </file>
 
@@ -857,7 +863,7 @@
             <a:fld id="{B61BEF0D-F0BB-DE4B-95CE-6DB70DBA9567}" type="datetimeFigureOut">
               <a:rPr lang="en-US" dirty="0"/>
               <a:pPr/>
-              <a:t>2/18/2020</a:t>
+              <a:t>2/20/20</a:t>
             </a:fld>
             <a:endParaRPr lang="en-US" dirty="0"/>
           </a:p>
@@ -1105,7 +1111,7 @@
             <a:fld id="{B61BEF0D-F0BB-DE4B-95CE-6DB70DBA9567}" type="datetimeFigureOut">
               <a:rPr lang="en-US" dirty="0"/>
               <a:pPr/>
-              <a:t>2/18/2020</a:t>
+              <a:t>2/20/20</a:t>
             </a:fld>
             <a:endParaRPr lang="en-US" dirty="0"/>
           </a:p>
@@ -1416,7 +1422,7 @@
             <a:fld id="{B61BEF0D-F0BB-DE4B-95CE-6DB70DBA9567}" type="datetimeFigureOut">
               <a:rPr lang="en-US" dirty="0"/>
               <a:pPr/>
-              <a:t>2/18/2020</a:t>
+              <a:t>2/20/20</a:t>
             </a:fld>
             <a:endParaRPr lang="en-US" dirty="0"/>
           </a:p>
@@ -1746,7 +1752,7 @@
             <a:fld id="{B61BEF0D-F0BB-DE4B-95CE-6DB70DBA9567}" type="datetimeFigureOut">
               <a:rPr lang="en-US" dirty="0"/>
               <a:pPr/>
-              <a:t>2/18/2020</a:t>
+              <a:t>2/20/20</a:t>
             </a:fld>
             <a:endParaRPr lang="en-US" dirty="0"/>
           </a:p>
@@ -2057,7 +2063,7 @@
             <a:fld id="{B61BEF0D-F0BB-DE4B-95CE-6DB70DBA9567}" type="datetimeFigureOut">
               <a:rPr lang="en-US" dirty="0"/>
               <a:pPr/>
-              <a:t>2/18/2020</a:t>
+              <a:t>2/20/20</a:t>
             </a:fld>
             <a:endParaRPr lang="en-US" dirty="0"/>
           </a:p>
@@ -2447,7 +2453,7 @@
             <a:fld id="{B61BEF0D-F0BB-DE4B-95CE-6DB70DBA9567}" type="datetimeFigureOut">
               <a:rPr lang="en-US" dirty="0"/>
               <a:pPr/>
-              <a:t>2/18/2020</a:t>
+              <a:t>2/20/20</a:t>
             </a:fld>
             <a:endParaRPr lang="en-US" dirty="0"/>
           </a:p>
@@ -2613,7 +2619,7 @@
           <a:p>
             <a:fld id="{55C6B4A9-1611-4792-9094-5F34BCA07E0B}" type="datetimeFigureOut">
               <a:rPr lang="en-US" dirty="0"/>
-              <a:t>2/18/2020</a:t>
+              <a:t>2/20/20</a:t>
             </a:fld>
             <a:endParaRPr lang="en-US" dirty="0"/>
           </a:p>
@@ -2789,7 +2795,7 @@
             <a:fld id="{B61BEF0D-F0BB-DE4B-95CE-6DB70DBA9567}" type="datetimeFigureOut">
               <a:rPr lang="en-US" dirty="0"/>
               <a:pPr/>
-              <a:t>2/18/2020</a:t>
+              <a:t>2/20/20</a:t>
             </a:fld>
             <a:endParaRPr lang="en-US" dirty="0"/>
           </a:p>
@@ -2955,7 +2961,7 @@
           <a:p>
             <a:fld id="{42A54C80-263E-416B-A8E0-580EDEADCBDC}" type="datetimeFigureOut">
               <a:rPr lang="en-US" dirty="0"/>
-              <a:t>2/18/2020</a:t>
+              <a:t>2/20/20</a:t>
             </a:fld>
             <a:endParaRPr lang="en-US" dirty="0"/>
           </a:p>
@@ -3198,7 +3204,7 @@
             <a:fld id="{B61BEF0D-F0BB-DE4B-95CE-6DB70DBA9567}" type="datetimeFigureOut">
               <a:rPr lang="en-US" dirty="0"/>
               <a:pPr/>
-              <a:t>2/18/2020</a:t>
+              <a:t>2/20/20</a:t>
             </a:fld>
             <a:endParaRPr lang="en-US" dirty="0"/>
           </a:p>
@@ -3426,7 +3432,7 @@
           <a:p>
             <a:fld id="{42A54C80-263E-416B-A8E0-580EDEADCBDC}" type="datetimeFigureOut">
               <a:rPr lang="en-US" dirty="0"/>
-              <a:t>2/18/2020</a:t>
+              <a:t>2/20/20</a:t>
             </a:fld>
             <a:endParaRPr lang="en-US" dirty="0"/>
           </a:p>
@@ -3796,7 +3802,7 @@
             <a:fld id="{B61BEF0D-F0BB-DE4B-95CE-6DB70DBA9567}" type="datetimeFigureOut">
               <a:rPr lang="en-US" dirty="0"/>
               <a:pPr/>
-              <a:t>2/18/2020</a:t>
+              <a:t>2/20/20</a:t>
             </a:fld>
             <a:endParaRPr lang="en-US" dirty="0"/>
           </a:p>
@@ -3916,7 +3922,7 @@
             <a:fld id="{B61BEF0D-F0BB-DE4B-95CE-6DB70DBA9567}" type="datetimeFigureOut">
               <a:rPr lang="en-US" dirty="0"/>
               <a:pPr/>
-              <a:t>2/18/2020</a:t>
+              <a:t>2/20/20</a:t>
             </a:fld>
             <a:endParaRPr lang="en-US" dirty="0"/>
           </a:p>
@@ -4008,7 +4014,7 @@
             <a:fld id="{B61BEF0D-F0BB-DE4B-95CE-6DB70DBA9567}" type="datetimeFigureOut">
               <a:rPr lang="en-US" dirty="0"/>
               <a:pPr/>
-              <a:t>2/18/2020</a:t>
+              <a:t>2/20/20</a:t>
             </a:fld>
             <a:endParaRPr lang="en-US" dirty="0"/>
           </a:p>
@@ -4259,7 +4265,7 @@
           <a:p>
             <a:fld id="{42A54C80-263E-416B-A8E0-580EDEADCBDC}" type="datetimeFigureOut">
               <a:rPr lang="en-US" dirty="0"/>
-              <a:t>2/18/2020</a:t>
+              <a:t>2/20/20</a:t>
             </a:fld>
             <a:endParaRPr lang="en-US" dirty="0"/>
           </a:p>
@@ -4561,7 +4567,7 @@
             <a:fld id="{B61BEF0D-F0BB-DE4B-95CE-6DB70DBA9567}" type="datetimeFigureOut">
               <a:rPr lang="en-US" dirty="0"/>
               <a:pPr/>
-              <a:t>2/18/2020</a:t>
+              <a:t>2/20/20</a:t>
             </a:fld>
             <a:endParaRPr lang="en-US" dirty="0"/>
           </a:p>
@@ -5259,7 +5265,7 @@
             <a:fld id="{B61BEF0D-F0BB-DE4B-95CE-6DB70DBA9567}" type="datetimeFigureOut">
               <a:rPr lang="en-US" dirty="0"/>
               <a:pPr/>
-              <a:t>2/18/2020</a:t>
+              <a:t>2/20/20</a:t>
             </a:fld>
             <a:endParaRPr lang="en-US" dirty="0"/>
           </a:p>
@@ -5974,7 +5980,7 @@
           <a:p>
             <a:r>
               <a:rPr lang="ka-GE" dirty="0" smtClean="0"/>
-              <a:t>ცხრილში გვაქვს 4 სვეტი (</a:t>
+              <a:t>ცხრილში გვაქვს 5 სვეტი (</a:t>
             </a:r>
             <a:r>
               <a:rPr lang="en-US" dirty="0" smtClean="0"/>
@@ -6073,7 +6079,12 @@
             <p:ph type="title"/>
           </p:nvPr>
         </p:nvSpPr>
-        <p:spPr/>
+        <p:spPr>
+          <a:xfrm>
+            <a:off x="0" y="50565"/>
+            <a:ext cx="8596668" cy="1320800"/>
+          </a:xfrm>
+        </p:spPr>
         <p:txBody>
           <a:bodyPr/>
           <a:lstStyle/>
@@ -6102,7 +6113,7 @@
         </p:nvSpPr>
         <p:spPr>
           <a:xfrm>
-            <a:off x="586718" y="1371365"/>
+            <a:off x="245524" y="812329"/>
             <a:ext cx="8596668" cy="559036"/>
           </a:xfrm>
         </p:spPr>
@@ -6136,22 +6147,28 @@
       </p:sp>
       <p:pic>
         <p:nvPicPr>
-          <p:cNvPr id="4" name="Picture 3"/>
+          <p:cNvPr id="5" name="Picture 4"/>
           <p:cNvPicPr>
             <a:picLocks noChangeAspect="1"/>
           </p:cNvPicPr>
           <p:nvPr/>
         </p:nvPicPr>
         <p:blipFill>
-          <a:blip r:embed="rId2"/>
+          <a:blip r:embed="rId2">
+            <a:extLst>
+              <a:ext uri="{28A0092B-C50C-407E-A947-70E740481C1C}">
+                <a14:useLocalDpi xmlns:a14="http://schemas.microsoft.com/office/drawing/2010/main" val="0"/>
+              </a:ext>
+            </a:extLst>
+          </a:blip>
           <a:stretch>
             <a:fillRect/>
           </a:stretch>
         </p:blipFill>
         <p:spPr>
           <a:xfrm>
-            <a:off x="1021492" y="1776745"/>
-            <a:ext cx="6400800" cy="4993863"/>
+            <a:off x="6837529" y="-7582"/>
+            <a:ext cx="5354472" cy="6846367"/>
           </a:xfrm>
           <a:prstGeom prst="rect">
             <a:avLst/>
@@ -6586,6 +6603,99 @@
     <p:extLst>
       <p:ext uri="{BB962C8B-B14F-4D97-AF65-F5344CB8AC3E}">
         <p14:creationId xmlns:p14="http://schemas.microsoft.com/office/powerpoint/2010/main" val="487671345"/>
+      </p:ext>
+    </p:extLst>
+  </p:cSld>
+  <p:clrMapOvr>
+    <a:masterClrMapping/>
+  </p:clrMapOvr>
+</p:sld>
+</file>
+
+<file path=ppt/slides/slide6.xml><?xml version="1.0" encoding="utf-8"?>
+<p:sld xmlns:a="http://schemas.openxmlformats.org/drawingml/2006/main" xmlns:r="http://schemas.openxmlformats.org/officeDocument/2006/relationships" xmlns:p="http://schemas.openxmlformats.org/presentationml/2006/main">
+  <p:cSld>
+    <p:spTree>
+      <p:nvGrpSpPr>
+        <p:cNvPr id="1" name=""/>
+        <p:cNvGrpSpPr/>
+        <p:nvPr/>
+      </p:nvGrpSpPr>
+      <p:grpSpPr>
+        <a:xfrm>
+          <a:off x="0" y="0"/>
+          <a:ext cx="0" cy="0"/>
+          <a:chOff x="0" y="0"/>
+          <a:chExt cx="0" cy="0"/>
+        </a:xfrm>
+      </p:grpSpPr>
+      <p:sp>
+        <p:nvSpPr>
+          <p:cNvPr id="2" name="Title 1"/>
+          <p:cNvSpPr>
+            <a:spLocks noGrp="1"/>
+          </p:cNvSpPr>
+          <p:nvPr>
+            <p:ph type="title"/>
+          </p:nvPr>
+        </p:nvSpPr>
+        <p:spPr>
+          <a:xfrm>
+            <a:off x="131422" y="0"/>
+            <a:ext cx="11250809" cy="1320800"/>
+          </a:xfrm>
+        </p:spPr>
+        <p:txBody>
+          <a:bodyPr/>
+          <a:lstStyle/>
+          <a:p>
+            <a:r>
+              <a:rPr lang="ka-GE" dirty="0" smtClean="0"/>
+              <a:t>საბოლოო შედეგი </a:t>
+            </a:r>
+            <a:br>
+              <a:rPr lang="ka-GE" dirty="0" smtClean="0"/>
+            </a:br>
+            <a:r>
+              <a:rPr lang="ka-GE" dirty="0" smtClean="0"/>
+              <a:t>საკონტაქტო მონაცემთა ბაზა</a:t>
+            </a:r>
+            <a:endParaRPr lang="en-US" dirty="0"/>
+          </a:p>
+        </p:txBody>
+      </p:sp>
+      <p:pic>
+        <p:nvPicPr>
+          <p:cNvPr id="4" name="Content Placeholder 3"/>
+          <p:cNvPicPr>
+            <a:picLocks noGrp="1" noChangeAspect="1"/>
+          </p:cNvPicPr>
+          <p:nvPr>
+            <p:ph idx="1"/>
+          </p:nvPr>
+        </p:nvPicPr>
+        <p:blipFill rotWithShape="1">
+          <a:blip r:embed="rId2">
+            <a:extLst>
+              <a:ext uri="{28A0092B-C50C-407E-A947-70E740481C1C}">
+                <a14:useLocalDpi xmlns:a14="http://schemas.microsoft.com/office/drawing/2010/main" val="0"/>
+              </a:ext>
+            </a:extLst>
+          </a:blip>
+          <a:srcRect r="252" b="29990"/>
+          <a:stretch/>
+        </p:blipFill>
+        <p:spPr>
+          <a:xfrm>
+            <a:off x="0" y="1214833"/>
+            <a:ext cx="12133187" cy="5643167"/>
+          </a:xfrm>
+        </p:spPr>
+      </p:pic>
+    </p:spTree>
+    <p:extLst>
+      <p:ext uri="{BB962C8B-B14F-4D97-AF65-F5344CB8AC3E}">
+        <p14:creationId xmlns:p14="http://schemas.microsoft.com/office/powerpoint/2010/main" val="640516707"/>
       </p:ext>
     </p:extLst>
   </p:cSld>
